--- a/조건부확률 임용고시 2016.pptx
+++ b/조건부확률 임용고시 2016.pptx
@@ -16,7 +16,8 @@
     <p:sldId id="270" r:id="rId10"/>
     <p:sldId id="277" r:id="rId11"/>
     <p:sldId id="278" r:id="rId12"/>
-    <p:sldId id="271" r:id="rId13"/>
+    <p:sldId id="279" r:id="rId13"/>
+    <p:sldId id="271" r:id="rId14"/>
   </p:sldIdLst>
   <p:sldSz cx="12192000" cy="6858000"/>
   <p:notesSz cx="6858000" cy="9144000"/>
@@ -165,10 +166,9 @@
           </a:lstStyle>
           <a:p>
             <a:r>
-              <a:rPr lang="en-US" smtClean="0"/>
+              <a:rPr lang="en-US"/>
               <a:t>Click to edit Master title style</a:t>
             </a:r>
-            <a:endParaRPr lang="en-US"/>
           </a:p>
         </p:txBody>
       </p:sp>
@@ -230,10 +230,9 @@
           </a:lstStyle>
           <a:p>
             <a:r>
-              <a:rPr lang="en-US" smtClean="0"/>
+              <a:rPr lang="en-US"/>
               <a:t>Click to edit Master subtitle style</a:t>
             </a:r>
-            <a:endParaRPr lang="en-US"/>
           </a:p>
         </p:txBody>
       </p:sp>
@@ -254,7 +253,7 @@
           <a:p>
             <a:fld id="{5B3AD1D6-AE87-C841-B3FD-7C9F7FCAE5AE}" type="datetimeFigureOut">
               <a:rPr lang="en-US" smtClean="0"/>
-              <a:t>12/15/19</a:t>
+              <a:t>12/22/19</a:t>
             </a:fld>
             <a:endParaRPr lang="en-US"/>
           </a:p>
@@ -348,10 +347,9 @@
           <a:lstStyle/>
           <a:p>
             <a:r>
-              <a:rPr lang="en-US" smtClean="0"/>
+              <a:rPr lang="en-US"/>
               <a:t>Click to edit Master title style</a:t>
             </a:r>
-            <a:endParaRPr lang="en-US"/>
           </a:p>
         </p:txBody>
       </p:sp>
@@ -372,38 +370,37 @@
           <a:p>
             <a:pPr lvl="0"/>
             <a:r>
-              <a:rPr lang="en-US" smtClean="0"/>
+              <a:rPr lang="en-US"/>
               <a:t>Click to edit Master text styles</a:t>
             </a:r>
           </a:p>
           <a:p>
             <a:pPr lvl="1"/>
             <a:r>
-              <a:rPr lang="en-US" smtClean="0"/>
+              <a:rPr lang="en-US"/>
               <a:t>Second level</a:t>
             </a:r>
           </a:p>
           <a:p>
             <a:pPr lvl="2"/>
             <a:r>
-              <a:rPr lang="en-US" smtClean="0"/>
+              <a:rPr lang="en-US"/>
               <a:t>Third level</a:t>
             </a:r>
           </a:p>
           <a:p>
             <a:pPr lvl="3"/>
             <a:r>
-              <a:rPr lang="en-US" smtClean="0"/>
+              <a:rPr lang="en-US"/>
               <a:t>Fourth level</a:t>
             </a:r>
           </a:p>
           <a:p>
             <a:pPr lvl="4"/>
             <a:r>
-              <a:rPr lang="en-US" smtClean="0"/>
+              <a:rPr lang="en-US"/>
               <a:t>Fifth level</a:t>
             </a:r>
-            <a:endParaRPr lang="en-US"/>
           </a:p>
         </p:txBody>
       </p:sp>
@@ -424,7 +421,7 @@
           <a:p>
             <a:fld id="{5B3AD1D6-AE87-C841-B3FD-7C9F7FCAE5AE}" type="datetimeFigureOut">
               <a:rPr lang="en-US" smtClean="0"/>
-              <a:t>12/15/19</a:t>
+              <a:t>12/22/19</a:t>
             </a:fld>
             <a:endParaRPr lang="en-US"/>
           </a:p>
@@ -523,10 +520,9 @@
           <a:lstStyle/>
           <a:p>
             <a:r>
-              <a:rPr lang="en-US" smtClean="0"/>
+              <a:rPr lang="en-US"/>
               <a:t>Click to edit Master title style</a:t>
             </a:r>
-            <a:endParaRPr lang="en-US"/>
           </a:p>
         </p:txBody>
       </p:sp>
@@ -552,38 +548,37 @@
           <a:p>
             <a:pPr lvl="0"/>
             <a:r>
-              <a:rPr lang="en-US" smtClean="0"/>
+              <a:rPr lang="en-US"/>
               <a:t>Click to edit Master text styles</a:t>
             </a:r>
           </a:p>
           <a:p>
             <a:pPr lvl="1"/>
             <a:r>
-              <a:rPr lang="en-US" smtClean="0"/>
+              <a:rPr lang="en-US"/>
               <a:t>Second level</a:t>
             </a:r>
           </a:p>
           <a:p>
             <a:pPr lvl="2"/>
             <a:r>
-              <a:rPr lang="en-US" smtClean="0"/>
+              <a:rPr lang="en-US"/>
               <a:t>Third level</a:t>
             </a:r>
           </a:p>
           <a:p>
             <a:pPr lvl="3"/>
             <a:r>
-              <a:rPr lang="en-US" smtClean="0"/>
+              <a:rPr lang="en-US"/>
               <a:t>Fourth level</a:t>
             </a:r>
           </a:p>
           <a:p>
             <a:pPr lvl="4"/>
             <a:r>
-              <a:rPr lang="en-US" smtClean="0"/>
+              <a:rPr lang="en-US"/>
               <a:t>Fifth level</a:t>
             </a:r>
-            <a:endParaRPr lang="en-US"/>
           </a:p>
         </p:txBody>
       </p:sp>
@@ -604,7 +599,7 @@
           <a:p>
             <a:fld id="{5B3AD1D6-AE87-C841-B3FD-7C9F7FCAE5AE}" type="datetimeFigureOut">
               <a:rPr lang="en-US" smtClean="0"/>
-              <a:t>12/15/19</a:t>
+              <a:t>12/22/19</a:t>
             </a:fld>
             <a:endParaRPr lang="en-US"/>
           </a:p>
@@ -698,10 +693,9 @@
           <a:lstStyle/>
           <a:p>
             <a:r>
-              <a:rPr lang="en-US" smtClean="0"/>
+              <a:rPr lang="en-US"/>
               <a:t>Click to edit Master title style</a:t>
             </a:r>
-            <a:endParaRPr lang="en-US"/>
           </a:p>
         </p:txBody>
       </p:sp>
@@ -722,38 +716,37 @@
           <a:p>
             <a:pPr lvl="0"/>
             <a:r>
-              <a:rPr lang="en-US" smtClean="0"/>
+              <a:rPr lang="en-US"/>
               <a:t>Click to edit Master text styles</a:t>
             </a:r>
           </a:p>
           <a:p>
             <a:pPr lvl="1"/>
             <a:r>
-              <a:rPr lang="en-US" smtClean="0"/>
+              <a:rPr lang="en-US"/>
               <a:t>Second level</a:t>
             </a:r>
           </a:p>
           <a:p>
             <a:pPr lvl="2"/>
             <a:r>
-              <a:rPr lang="en-US" smtClean="0"/>
+              <a:rPr lang="en-US"/>
               <a:t>Third level</a:t>
             </a:r>
           </a:p>
           <a:p>
             <a:pPr lvl="3"/>
             <a:r>
-              <a:rPr lang="en-US" smtClean="0"/>
+              <a:rPr lang="en-US"/>
               <a:t>Fourth level</a:t>
             </a:r>
           </a:p>
           <a:p>
             <a:pPr lvl="4"/>
             <a:r>
-              <a:rPr lang="en-US" smtClean="0"/>
+              <a:rPr lang="en-US"/>
               <a:t>Fifth level</a:t>
             </a:r>
-            <a:endParaRPr lang="en-US"/>
           </a:p>
         </p:txBody>
       </p:sp>
@@ -774,7 +767,7 @@
           <a:p>
             <a:fld id="{5B3AD1D6-AE87-C841-B3FD-7C9F7FCAE5AE}" type="datetimeFigureOut">
               <a:rPr lang="en-US" smtClean="0"/>
-              <a:t>12/15/19</a:t>
+              <a:t>12/22/19</a:t>
             </a:fld>
             <a:endParaRPr lang="en-US"/>
           </a:p>
@@ -877,10 +870,9 @@
           </a:lstStyle>
           <a:p>
             <a:r>
-              <a:rPr lang="en-US" smtClean="0"/>
+              <a:rPr lang="en-US"/>
               <a:t>Click to edit Master title style</a:t>
             </a:r>
-            <a:endParaRPr lang="en-US"/>
           </a:p>
         </p:txBody>
       </p:sp>
@@ -997,7 +989,7 @@
           <a:p>
             <a:pPr lvl="0"/>
             <a:r>
-              <a:rPr lang="en-US" smtClean="0"/>
+              <a:rPr lang="en-US"/>
               <a:t>Click to edit Master text styles</a:t>
             </a:r>
           </a:p>
@@ -1020,7 +1012,7 @@
           <a:p>
             <a:fld id="{5B3AD1D6-AE87-C841-B3FD-7C9F7FCAE5AE}" type="datetimeFigureOut">
               <a:rPr lang="en-US" smtClean="0"/>
-              <a:t>12/15/19</a:t>
+              <a:t>12/22/19</a:t>
             </a:fld>
             <a:endParaRPr lang="en-US"/>
           </a:p>
@@ -1114,10 +1106,9 @@
           <a:lstStyle/>
           <a:p>
             <a:r>
-              <a:rPr lang="en-US" smtClean="0"/>
+              <a:rPr lang="en-US"/>
               <a:t>Click to edit Master title style</a:t>
             </a:r>
-            <a:endParaRPr lang="en-US"/>
           </a:p>
         </p:txBody>
       </p:sp>
@@ -1143,38 +1134,37 @@
           <a:p>
             <a:pPr lvl="0"/>
             <a:r>
-              <a:rPr lang="en-US" smtClean="0"/>
+              <a:rPr lang="en-US"/>
               <a:t>Click to edit Master text styles</a:t>
             </a:r>
           </a:p>
           <a:p>
             <a:pPr lvl="1"/>
             <a:r>
-              <a:rPr lang="en-US" smtClean="0"/>
+              <a:rPr lang="en-US"/>
               <a:t>Second level</a:t>
             </a:r>
           </a:p>
           <a:p>
             <a:pPr lvl="2"/>
             <a:r>
-              <a:rPr lang="en-US" smtClean="0"/>
+              <a:rPr lang="en-US"/>
               <a:t>Third level</a:t>
             </a:r>
           </a:p>
           <a:p>
             <a:pPr lvl="3"/>
             <a:r>
-              <a:rPr lang="en-US" smtClean="0"/>
+              <a:rPr lang="en-US"/>
               <a:t>Fourth level</a:t>
             </a:r>
           </a:p>
           <a:p>
             <a:pPr lvl="4"/>
             <a:r>
-              <a:rPr lang="en-US" smtClean="0"/>
+              <a:rPr lang="en-US"/>
               <a:t>Fifth level</a:t>
             </a:r>
-            <a:endParaRPr lang="en-US"/>
           </a:p>
         </p:txBody>
       </p:sp>
@@ -1200,38 +1190,37 @@
           <a:p>
             <a:pPr lvl="0"/>
             <a:r>
-              <a:rPr lang="en-US" smtClean="0"/>
+              <a:rPr lang="en-US"/>
               <a:t>Click to edit Master text styles</a:t>
             </a:r>
           </a:p>
           <a:p>
             <a:pPr lvl="1"/>
             <a:r>
-              <a:rPr lang="en-US" smtClean="0"/>
+              <a:rPr lang="en-US"/>
               <a:t>Second level</a:t>
             </a:r>
           </a:p>
           <a:p>
             <a:pPr lvl="2"/>
             <a:r>
-              <a:rPr lang="en-US" smtClean="0"/>
+              <a:rPr lang="en-US"/>
               <a:t>Third level</a:t>
             </a:r>
           </a:p>
           <a:p>
             <a:pPr lvl="3"/>
             <a:r>
-              <a:rPr lang="en-US" smtClean="0"/>
+              <a:rPr lang="en-US"/>
               <a:t>Fourth level</a:t>
             </a:r>
           </a:p>
           <a:p>
             <a:pPr lvl="4"/>
             <a:r>
-              <a:rPr lang="en-US" smtClean="0"/>
+              <a:rPr lang="en-US"/>
               <a:t>Fifth level</a:t>
             </a:r>
-            <a:endParaRPr lang="en-US"/>
           </a:p>
         </p:txBody>
       </p:sp>
@@ -1252,7 +1241,7 @@
           <a:p>
             <a:fld id="{5B3AD1D6-AE87-C841-B3FD-7C9F7FCAE5AE}" type="datetimeFigureOut">
               <a:rPr lang="en-US" smtClean="0"/>
-              <a:t>12/15/19</a:t>
+              <a:t>12/22/19</a:t>
             </a:fld>
             <a:endParaRPr lang="en-US"/>
           </a:p>
@@ -1351,10 +1340,9 @@
           <a:lstStyle/>
           <a:p>
             <a:r>
-              <a:rPr lang="en-US" smtClean="0"/>
+              <a:rPr lang="en-US"/>
               <a:t>Click to edit Master title style</a:t>
             </a:r>
-            <a:endParaRPr lang="en-US"/>
           </a:p>
         </p:txBody>
       </p:sp>
@@ -1417,7 +1405,7 @@
           <a:p>
             <a:pPr lvl="0"/>
             <a:r>
-              <a:rPr lang="en-US" smtClean="0"/>
+              <a:rPr lang="en-US"/>
               <a:t>Click to edit Master text styles</a:t>
             </a:r>
           </a:p>
@@ -1445,38 +1433,37 @@
           <a:p>
             <a:pPr lvl="0"/>
             <a:r>
-              <a:rPr lang="en-US" smtClean="0"/>
+              <a:rPr lang="en-US"/>
               <a:t>Click to edit Master text styles</a:t>
             </a:r>
           </a:p>
           <a:p>
             <a:pPr lvl="1"/>
             <a:r>
-              <a:rPr lang="en-US" smtClean="0"/>
+              <a:rPr lang="en-US"/>
               <a:t>Second level</a:t>
             </a:r>
           </a:p>
           <a:p>
             <a:pPr lvl="2"/>
             <a:r>
-              <a:rPr lang="en-US" smtClean="0"/>
+              <a:rPr lang="en-US"/>
               <a:t>Third level</a:t>
             </a:r>
           </a:p>
           <a:p>
             <a:pPr lvl="3"/>
             <a:r>
-              <a:rPr lang="en-US" smtClean="0"/>
+              <a:rPr lang="en-US"/>
               <a:t>Fourth level</a:t>
             </a:r>
           </a:p>
           <a:p>
             <a:pPr lvl="4"/>
             <a:r>
-              <a:rPr lang="en-US" smtClean="0"/>
+              <a:rPr lang="en-US"/>
               <a:t>Fifth level</a:t>
             </a:r>
-            <a:endParaRPr lang="en-US"/>
           </a:p>
         </p:txBody>
       </p:sp>
@@ -1539,7 +1526,7 @@
           <a:p>
             <a:pPr lvl="0"/>
             <a:r>
-              <a:rPr lang="en-US" smtClean="0"/>
+              <a:rPr lang="en-US"/>
               <a:t>Click to edit Master text styles</a:t>
             </a:r>
           </a:p>
@@ -1567,38 +1554,37 @@
           <a:p>
             <a:pPr lvl="0"/>
             <a:r>
-              <a:rPr lang="en-US" smtClean="0"/>
+              <a:rPr lang="en-US"/>
               <a:t>Click to edit Master text styles</a:t>
             </a:r>
           </a:p>
           <a:p>
             <a:pPr lvl="1"/>
             <a:r>
-              <a:rPr lang="en-US" smtClean="0"/>
+              <a:rPr lang="en-US"/>
               <a:t>Second level</a:t>
             </a:r>
           </a:p>
           <a:p>
             <a:pPr lvl="2"/>
             <a:r>
-              <a:rPr lang="en-US" smtClean="0"/>
+              <a:rPr lang="en-US"/>
               <a:t>Third level</a:t>
             </a:r>
           </a:p>
           <a:p>
             <a:pPr lvl="3"/>
             <a:r>
-              <a:rPr lang="en-US" smtClean="0"/>
+              <a:rPr lang="en-US"/>
               <a:t>Fourth level</a:t>
             </a:r>
           </a:p>
           <a:p>
             <a:pPr lvl="4"/>
             <a:r>
-              <a:rPr lang="en-US" smtClean="0"/>
+              <a:rPr lang="en-US"/>
               <a:t>Fifth level</a:t>
             </a:r>
-            <a:endParaRPr lang="en-US"/>
           </a:p>
         </p:txBody>
       </p:sp>
@@ -1619,7 +1605,7 @@
           <a:p>
             <a:fld id="{5B3AD1D6-AE87-C841-B3FD-7C9F7FCAE5AE}" type="datetimeFigureOut">
               <a:rPr lang="en-US" smtClean="0"/>
-              <a:t>12/15/19</a:t>
+              <a:t>12/22/19</a:t>
             </a:fld>
             <a:endParaRPr lang="en-US"/>
           </a:p>
@@ -1713,10 +1699,9 @@
           <a:lstStyle/>
           <a:p>
             <a:r>
-              <a:rPr lang="en-US" smtClean="0"/>
+              <a:rPr lang="en-US"/>
               <a:t>Click to edit Master title style</a:t>
             </a:r>
-            <a:endParaRPr lang="en-US"/>
           </a:p>
         </p:txBody>
       </p:sp>
@@ -1737,7 +1722,7 @@
           <a:p>
             <a:fld id="{5B3AD1D6-AE87-C841-B3FD-7C9F7FCAE5AE}" type="datetimeFigureOut">
               <a:rPr lang="en-US" smtClean="0"/>
-              <a:t>12/15/19</a:t>
+              <a:t>12/22/19</a:t>
             </a:fld>
             <a:endParaRPr lang="en-US"/>
           </a:p>
@@ -1832,7 +1817,7 @@
           <a:p>
             <a:fld id="{5B3AD1D6-AE87-C841-B3FD-7C9F7FCAE5AE}" type="datetimeFigureOut">
               <a:rPr lang="en-US" smtClean="0"/>
-              <a:t>12/15/19</a:t>
+              <a:t>12/22/19</a:t>
             </a:fld>
             <a:endParaRPr lang="en-US"/>
           </a:p>
@@ -1935,10 +1920,9 @@
           </a:lstStyle>
           <a:p>
             <a:r>
-              <a:rPr lang="en-US" smtClean="0"/>
+              <a:rPr lang="en-US"/>
               <a:t>Click to edit Master title style</a:t>
             </a:r>
-            <a:endParaRPr lang="en-US"/>
           </a:p>
         </p:txBody>
       </p:sp>
@@ -1992,38 +1976,37 @@
           <a:p>
             <a:pPr lvl="0"/>
             <a:r>
-              <a:rPr lang="en-US" smtClean="0"/>
+              <a:rPr lang="en-US"/>
               <a:t>Click to edit Master text styles</a:t>
             </a:r>
           </a:p>
           <a:p>
             <a:pPr lvl="1"/>
             <a:r>
-              <a:rPr lang="en-US" smtClean="0"/>
+              <a:rPr lang="en-US"/>
               <a:t>Second level</a:t>
             </a:r>
           </a:p>
           <a:p>
             <a:pPr lvl="2"/>
             <a:r>
-              <a:rPr lang="en-US" smtClean="0"/>
+              <a:rPr lang="en-US"/>
               <a:t>Third level</a:t>
             </a:r>
           </a:p>
           <a:p>
             <a:pPr lvl="3"/>
             <a:r>
-              <a:rPr lang="en-US" smtClean="0"/>
+              <a:rPr lang="en-US"/>
               <a:t>Fourth level</a:t>
             </a:r>
           </a:p>
           <a:p>
             <a:pPr lvl="4"/>
             <a:r>
-              <a:rPr lang="en-US" smtClean="0"/>
+              <a:rPr lang="en-US"/>
               <a:t>Fifth level</a:t>
             </a:r>
-            <a:endParaRPr lang="en-US"/>
           </a:p>
         </p:txBody>
       </p:sp>
@@ -2086,7 +2069,7 @@
           <a:p>
             <a:pPr lvl="0"/>
             <a:r>
-              <a:rPr lang="en-US" smtClean="0"/>
+              <a:rPr lang="en-US"/>
               <a:t>Click to edit Master text styles</a:t>
             </a:r>
           </a:p>
@@ -2109,7 +2092,7 @@
           <a:p>
             <a:fld id="{5B3AD1D6-AE87-C841-B3FD-7C9F7FCAE5AE}" type="datetimeFigureOut">
               <a:rPr lang="en-US" smtClean="0"/>
-              <a:t>12/15/19</a:t>
+              <a:t>12/22/19</a:t>
             </a:fld>
             <a:endParaRPr lang="en-US"/>
           </a:p>
@@ -2212,10 +2195,9 @@
           </a:lstStyle>
           <a:p>
             <a:r>
-              <a:rPr lang="en-US" smtClean="0"/>
+              <a:rPr lang="en-US"/>
               <a:t>Click to edit Master title style</a:t>
             </a:r>
-            <a:endParaRPr lang="en-US"/>
           </a:p>
         </p:txBody>
       </p:sp>
@@ -2339,7 +2321,7 @@
           <a:p>
             <a:pPr lvl="0"/>
             <a:r>
-              <a:rPr lang="en-US" smtClean="0"/>
+              <a:rPr lang="en-US"/>
               <a:t>Click to edit Master text styles</a:t>
             </a:r>
           </a:p>
@@ -2362,7 +2344,7 @@
           <a:p>
             <a:fld id="{5B3AD1D6-AE87-C841-B3FD-7C9F7FCAE5AE}" type="datetimeFigureOut">
               <a:rPr lang="en-US" smtClean="0"/>
-              <a:t>12/15/19</a:t>
+              <a:t>12/22/19</a:t>
             </a:fld>
             <a:endParaRPr lang="en-US"/>
           </a:p>
@@ -2471,10 +2453,9 @@
           <a:lstStyle/>
           <a:p>
             <a:r>
-              <a:rPr lang="en-US" smtClean="0"/>
+              <a:rPr lang="en-US"/>
               <a:t>Click to edit Master title style</a:t>
             </a:r>
-            <a:endParaRPr lang="en-US"/>
           </a:p>
         </p:txBody>
       </p:sp>
@@ -2505,38 +2486,37 @@
           <a:p>
             <a:pPr lvl="0"/>
             <a:r>
-              <a:rPr lang="en-US" smtClean="0"/>
+              <a:rPr lang="en-US"/>
               <a:t>Click to edit Master text styles</a:t>
             </a:r>
           </a:p>
           <a:p>
             <a:pPr lvl="1"/>
             <a:r>
-              <a:rPr lang="en-US" smtClean="0"/>
+              <a:rPr lang="en-US"/>
               <a:t>Second level</a:t>
             </a:r>
           </a:p>
           <a:p>
             <a:pPr lvl="2"/>
             <a:r>
-              <a:rPr lang="en-US" smtClean="0"/>
+              <a:rPr lang="en-US"/>
               <a:t>Third level</a:t>
             </a:r>
           </a:p>
           <a:p>
             <a:pPr lvl="3"/>
             <a:r>
-              <a:rPr lang="en-US" smtClean="0"/>
+              <a:rPr lang="en-US"/>
               <a:t>Fourth level</a:t>
             </a:r>
           </a:p>
           <a:p>
             <a:pPr lvl="4"/>
             <a:r>
-              <a:rPr lang="en-US" smtClean="0"/>
+              <a:rPr lang="en-US"/>
               <a:t>Fifth level</a:t>
             </a:r>
-            <a:endParaRPr lang="en-US"/>
           </a:p>
         </p:txBody>
       </p:sp>
@@ -2575,7 +2555,7 @@
           <a:p>
             <a:fld id="{5B3AD1D6-AE87-C841-B3FD-7C9F7FCAE5AE}" type="datetimeFigureOut">
               <a:rPr lang="en-US" smtClean="0"/>
-              <a:t>12/15/19</a:t>
+              <a:t>12/22/19</a:t>
             </a:fld>
             <a:endParaRPr lang="en-US"/>
           </a:p>
@@ -3002,29 +2982,6 @@
           </a:bodyPr>
           <a:lstStyle/>
           <a:p>
-            <a:r>
-              <a:rPr lang="en-US" sz="4000" dirty="0" smtClean="0">
-                <a:latin typeface="Arial Black" charset="0"/>
-                <a:ea typeface="Arial Black" charset="0"/>
-                <a:cs typeface="Arial Black" charset="0"/>
-              </a:rPr>
-              <a:t/>
-            </a:r>
-            <a:br>
-              <a:rPr lang="en-US" sz="4000" dirty="0" smtClean="0">
-                <a:latin typeface="Arial Black" charset="0"/>
-                <a:ea typeface="Arial Black" charset="0"/>
-                <a:cs typeface="Arial Black" charset="0"/>
-              </a:rPr>
-            </a:br>
-            <a:r>
-              <a:rPr lang="en-US" sz="4000" dirty="0">
-                <a:latin typeface="Arial Black" charset="0"/>
-                <a:ea typeface="Arial Black" charset="0"/>
-                <a:cs typeface="Arial Black" charset="0"/>
-              </a:rPr>
-              <a:t/>
-            </a:r>
             <a:br>
               <a:rPr lang="en-US" sz="4000" dirty="0">
                 <a:latin typeface="Arial Black" charset="0"/>
@@ -3032,29 +2989,6 @@
                 <a:cs typeface="Arial Black" charset="0"/>
               </a:rPr>
             </a:br>
-            <a:r>
-              <a:rPr lang="en-US" sz="4000" dirty="0" smtClean="0">
-                <a:latin typeface="Arial Black" charset="0"/>
-                <a:ea typeface="Arial Black" charset="0"/>
-                <a:cs typeface="Arial Black" charset="0"/>
-              </a:rPr>
-              <a:t/>
-            </a:r>
-            <a:br>
-              <a:rPr lang="en-US" sz="4000" dirty="0" smtClean="0">
-                <a:latin typeface="Arial Black" charset="0"/>
-                <a:ea typeface="Arial Black" charset="0"/>
-                <a:cs typeface="Arial Black" charset="0"/>
-              </a:rPr>
-            </a:br>
-            <a:r>
-              <a:rPr lang="en-US" sz="4000" dirty="0">
-                <a:latin typeface="Arial Black" charset="0"/>
-                <a:ea typeface="Arial Black" charset="0"/>
-                <a:cs typeface="Arial Black" charset="0"/>
-              </a:rPr>
-              <a:t/>
-            </a:r>
             <a:br>
               <a:rPr lang="en-US" sz="4000" dirty="0">
                 <a:latin typeface="Arial Black" charset="0"/>
@@ -3062,29 +2996,6 @@
                 <a:cs typeface="Arial Black" charset="0"/>
               </a:rPr>
             </a:br>
-            <a:r>
-              <a:rPr lang="en-US" sz="4000" dirty="0" smtClean="0">
-                <a:latin typeface="Arial Black" charset="0"/>
-                <a:ea typeface="Arial Black" charset="0"/>
-                <a:cs typeface="Arial Black" charset="0"/>
-              </a:rPr>
-              <a:t/>
-            </a:r>
-            <a:br>
-              <a:rPr lang="en-US" sz="4000" dirty="0" smtClean="0">
-                <a:latin typeface="Arial Black" charset="0"/>
-                <a:ea typeface="Arial Black" charset="0"/>
-                <a:cs typeface="Arial Black" charset="0"/>
-              </a:rPr>
-            </a:br>
-            <a:r>
-              <a:rPr lang="en-US" sz="4000" dirty="0">
-                <a:latin typeface="Arial Black" charset="0"/>
-                <a:ea typeface="Arial Black" charset="0"/>
-                <a:cs typeface="Arial Black" charset="0"/>
-              </a:rPr>
-              <a:t/>
-            </a:r>
             <a:br>
               <a:rPr lang="en-US" sz="4000" dirty="0">
                 <a:latin typeface="Arial Black" charset="0"/>
@@ -3092,29 +3003,6 @@
                 <a:cs typeface="Arial Black" charset="0"/>
               </a:rPr>
             </a:br>
-            <a:r>
-              <a:rPr lang="en-US" sz="4000" dirty="0" smtClean="0">
-                <a:latin typeface="Arial Black" charset="0"/>
-                <a:ea typeface="Arial Black" charset="0"/>
-                <a:cs typeface="Arial Black" charset="0"/>
-              </a:rPr>
-              <a:t/>
-            </a:r>
-            <a:br>
-              <a:rPr lang="en-US" sz="4000" dirty="0" smtClean="0">
-                <a:latin typeface="Arial Black" charset="0"/>
-                <a:ea typeface="Arial Black" charset="0"/>
-                <a:cs typeface="Arial Black" charset="0"/>
-              </a:rPr>
-            </a:br>
-            <a:r>
-              <a:rPr lang="en-US" sz="4000" dirty="0">
-                <a:latin typeface="Arial Black" charset="0"/>
-                <a:ea typeface="Arial Black" charset="0"/>
-                <a:cs typeface="Arial Black" charset="0"/>
-              </a:rPr>
-              <a:t/>
-            </a:r>
             <a:br>
               <a:rPr lang="en-US" sz="4000" dirty="0">
                 <a:latin typeface="Arial Black" charset="0"/>
@@ -3122,29 +3010,6 @@
                 <a:cs typeface="Arial Black" charset="0"/>
               </a:rPr>
             </a:br>
-            <a:r>
-              <a:rPr lang="en-US" sz="4000" dirty="0" smtClean="0">
-                <a:latin typeface="Arial Black" charset="0"/>
-                <a:ea typeface="Arial Black" charset="0"/>
-                <a:cs typeface="Arial Black" charset="0"/>
-              </a:rPr>
-              <a:t/>
-            </a:r>
-            <a:br>
-              <a:rPr lang="en-US" sz="4000" dirty="0" smtClean="0">
-                <a:latin typeface="Arial Black" charset="0"/>
-                <a:ea typeface="Arial Black" charset="0"/>
-                <a:cs typeface="Arial Black" charset="0"/>
-              </a:rPr>
-            </a:br>
-            <a:r>
-              <a:rPr lang="en-US" sz="4000" dirty="0">
-                <a:latin typeface="Arial Black" charset="0"/>
-                <a:ea typeface="Arial Black" charset="0"/>
-                <a:cs typeface="Arial Black" charset="0"/>
-              </a:rPr>
-              <a:t/>
-            </a:r>
             <a:br>
               <a:rPr lang="en-US" sz="4000" dirty="0">
                 <a:latin typeface="Arial Black" charset="0"/>
@@ -3152,23 +3017,50 @@
                 <a:cs typeface="Arial Black" charset="0"/>
               </a:rPr>
             </a:br>
-            <a:r>
-              <a:rPr lang="en-US" sz="4000" dirty="0" smtClean="0">
-                <a:latin typeface="Arial Black" charset="0"/>
-                <a:ea typeface="Arial Black" charset="0"/>
-                <a:cs typeface="Arial Black" charset="0"/>
-              </a:rPr>
-              <a:t/>
-            </a:r>
             <a:br>
-              <a:rPr lang="en-US" sz="4000" dirty="0" smtClean="0">
+              <a:rPr lang="en-US" sz="4000" dirty="0">
                 <a:latin typeface="Arial Black" charset="0"/>
                 <a:ea typeface="Arial Black" charset="0"/>
                 <a:cs typeface="Arial Black" charset="0"/>
               </a:rPr>
             </a:br>
-            <a:r>
-              <a:rPr lang="en-US" sz="6700" dirty="0" smtClean="0">
+            <a:br>
+              <a:rPr lang="en-US" sz="4000" dirty="0">
+                <a:latin typeface="Arial Black" charset="0"/>
+                <a:ea typeface="Arial Black" charset="0"/>
+                <a:cs typeface="Arial Black" charset="0"/>
+              </a:rPr>
+            </a:br>
+            <a:br>
+              <a:rPr lang="en-US" sz="4000" dirty="0">
+                <a:latin typeface="Arial Black" charset="0"/>
+                <a:ea typeface="Arial Black" charset="0"/>
+                <a:cs typeface="Arial Black" charset="0"/>
+              </a:rPr>
+            </a:br>
+            <a:br>
+              <a:rPr lang="en-US" sz="4000" dirty="0">
+                <a:latin typeface="Arial Black" charset="0"/>
+                <a:ea typeface="Arial Black" charset="0"/>
+                <a:cs typeface="Arial Black" charset="0"/>
+              </a:rPr>
+            </a:br>
+            <a:br>
+              <a:rPr lang="en-US" sz="4000" dirty="0">
+                <a:latin typeface="Arial Black" charset="0"/>
+                <a:ea typeface="Arial Black" charset="0"/>
+                <a:cs typeface="Arial Black" charset="0"/>
+              </a:rPr>
+            </a:br>
+            <a:br>
+              <a:rPr lang="en-US" sz="4000" dirty="0">
+                <a:latin typeface="Arial Black" charset="0"/>
+                <a:ea typeface="Arial Black" charset="0"/>
+                <a:cs typeface="Arial Black" charset="0"/>
+              </a:rPr>
+            </a:br>
+            <a:r>
+              <a:rPr lang="en-US" sz="6700" dirty="0">
                 <a:latin typeface="Arial Black" charset="0"/>
                 <a:ea typeface="Arial Black" charset="0"/>
                 <a:cs typeface="Arial Black" charset="0"/>
@@ -3176,14 +3068,14 @@
               <a:t>Problems</a:t>
             </a:r>
             <a:br>
-              <a:rPr lang="en-US" sz="6700" dirty="0" smtClean="0">
+              <a:rPr lang="en-US" sz="6700" dirty="0">
                 <a:latin typeface="Arial Black" charset="0"/>
                 <a:ea typeface="Arial Black" charset="0"/>
                 <a:cs typeface="Arial Black" charset="0"/>
               </a:rPr>
             </a:br>
             <a:r>
-              <a:rPr lang="en-US" sz="6700" dirty="0" smtClean="0">
+              <a:rPr lang="en-US" sz="6700" dirty="0">
                 <a:latin typeface="Arial Black" charset="0"/>
                 <a:ea typeface="Arial Black" charset="0"/>
                 <a:cs typeface="Arial Black" charset="0"/>
@@ -3191,45 +3083,37 @@
               <a:t>on</a:t>
             </a:r>
             <a:br>
-              <a:rPr lang="en-US" sz="6700" dirty="0" smtClean="0">
+              <a:rPr lang="en-US" sz="6700" dirty="0">
                 <a:latin typeface="Arial Black" charset="0"/>
                 <a:ea typeface="Arial Black" charset="0"/>
                 <a:cs typeface="Arial Black" charset="0"/>
               </a:rPr>
             </a:br>
             <a:r>
-              <a:rPr lang="en-US" sz="6700" dirty="0" smtClean="0">
+              <a:rPr lang="en-US" sz="6700" dirty="0">
                 <a:latin typeface="Arial Black" charset="0"/>
                 <a:ea typeface="Arial Black" charset="0"/>
                 <a:cs typeface="Arial Black" charset="0"/>
               </a:rPr>
               <a:t>Conditional Probability</a:t>
             </a:r>
-            <a:r>
-              <a:rPr lang="en-US" sz="6700" dirty="0" smtClean="0">
-                <a:latin typeface="Arial Black" charset="0"/>
-                <a:ea typeface="Arial Black" charset="0"/>
-                <a:cs typeface="Arial Black" charset="0"/>
-              </a:rPr>
-              <a:t/>
-            </a:r>
             <a:br>
-              <a:rPr lang="en-US" sz="6700" dirty="0" smtClean="0">
+              <a:rPr lang="en-US" sz="6700" dirty="0">
                 <a:latin typeface="Arial Black" charset="0"/>
                 <a:ea typeface="Arial Black" charset="0"/>
                 <a:cs typeface="Arial Black" charset="0"/>
               </a:rPr>
             </a:br>
             <a:r>
-              <a:rPr lang="en-US" sz="6700" dirty="0" smtClean="0">
+              <a:rPr lang="en-US" altLang="ko-KR" sz="6700" dirty="0">
                 <a:latin typeface="Arial Black" charset="0"/>
                 <a:ea typeface="Arial Black" charset="0"/>
                 <a:cs typeface="Arial Black" charset="0"/>
               </a:rPr>
-              <a:t/>
+              <a:t>2016</a:t>
             </a:r>
             <a:br>
-              <a:rPr lang="en-US" sz="6700" dirty="0" smtClean="0">
+              <a:rPr lang="en-US" sz="6700" dirty="0">
                 <a:latin typeface="Arial Black" charset="0"/>
                 <a:ea typeface="Arial Black" charset="0"/>
                 <a:cs typeface="Arial Black" charset="0"/>
@@ -3451,7 +3335,7 @@
       </p:grpSpPr>
       <p:pic>
         <p:nvPicPr>
-          <p:cNvPr id="2" name="Picture 1"/>
+          <p:cNvPr id="4" name="Picture 3"/>
           <p:cNvPicPr>
             <a:picLocks noChangeAspect="1"/>
           </p:cNvPicPr>
@@ -3471,8 +3355,98 @@
         </p:blipFill>
         <p:spPr>
           <a:xfrm>
-            <a:off x="419100" y="2377440"/>
-            <a:ext cx="11574780" cy="1493520"/>
+            <a:off x="1433830" y="500380"/>
+            <a:ext cx="9232900" cy="2413000"/>
+          </a:xfrm>
+          <a:prstGeom prst="rect">
+            <a:avLst/>
+          </a:prstGeom>
+        </p:spPr>
+      </p:pic>
+      <p:pic>
+        <p:nvPicPr>
+          <p:cNvPr id="7" name="Picture 6" descr="A picture containing clock&#10;&#10;Description automatically generated">
+            <a:extLst>
+              <a:ext uri="{FF2B5EF4-FFF2-40B4-BE49-F238E27FC236}">
+                <a16:creationId xmlns:a16="http://schemas.microsoft.com/office/drawing/2014/main" id="{8016108A-ABAD-2845-815C-CF78F0315A38}"/>
+              </a:ext>
+            </a:extLst>
+          </p:cNvPr>
+          <p:cNvPicPr>
+            <a:picLocks noChangeAspect="1"/>
+          </p:cNvPicPr>
+          <p:nvPr/>
+        </p:nvPicPr>
+        <p:blipFill>
+          <a:blip r:embed="rId3"/>
+          <a:stretch>
+            <a:fillRect/>
+          </a:stretch>
+        </p:blipFill>
+        <p:spPr>
+          <a:xfrm>
+            <a:off x="810689" y="3583459"/>
+            <a:ext cx="10570622" cy="1808378"/>
+          </a:xfrm>
+          <a:prstGeom prst="rect">
+            <a:avLst/>
+          </a:prstGeom>
+        </p:spPr>
+      </p:pic>
+    </p:spTree>
+    <p:extLst>
+      <p:ext uri="{BB962C8B-B14F-4D97-AF65-F5344CB8AC3E}">
+        <p14:creationId xmlns:p14="http://schemas.microsoft.com/office/powerpoint/2010/main" val="315735539"/>
+      </p:ext>
+    </p:extLst>
+  </p:cSld>
+  <p:clrMapOvr>
+    <a:masterClrMapping/>
+  </p:clrMapOvr>
+</p:sld>
+</file>
+
+<file path=ppt/slides/slide13.xml><?xml version="1.0" encoding="utf-8"?>
+<p:sld xmlns:a="http://schemas.openxmlformats.org/drawingml/2006/main" xmlns:r="http://schemas.openxmlformats.org/officeDocument/2006/relationships" xmlns:p="http://schemas.openxmlformats.org/presentationml/2006/main">
+  <p:cSld>
+    <p:spTree>
+      <p:nvGrpSpPr>
+        <p:cNvPr id="1" name=""/>
+        <p:cNvGrpSpPr/>
+        <p:nvPr/>
+      </p:nvGrpSpPr>
+      <p:grpSpPr>
+        <a:xfrm>
+          <a:off x="0" y="0"/>
+          <a:ext cx="0" cy="0"/>
+          <a:chOff x="0" y="0"/>
+          <a:chExt cx="0" cy="0"/>
+        </a:xfrm>
+      </p:grpSpPr>
+      <p:pic>
+        <p:nvPicPr>
+          <p:cNvPr id="4" name="Picture 3" descr="A screenshot of a cell phone&#10;&#10;Description automatically generated">
+            <a:extLst>
+              <a:ext uri="{FF2B5EF4-FFF2-40B4-BE49-F238E27FC236}">
+                <a16:creationId xmlns:a16="http://schemas.microsoft.com/office/drawing/2014/main" id="{D934908F-D32C-F844-AAD7-F0B1AC81D4CD}"/>
+              </a:ext>
+            </a:extLst>
+          </p:cNvPr>
+          <p:cNvPicPr>
+            <a:picLocks noChangeAspect="1"/>
+          </p:cNvPicPr>
+          <p:nvPr/>
+        </p:nvPicPr>
+        <p:blipFill>
+          <a:blip r:embed="rId2"/>
+          <a:stretch>
+            <a:fillRect/>
+          </a:stretch>
+        </p:blipFill>
+        <p:spPr>
+          <a:xfrm>
+            <a:off x="2401797" y="422997"/>
+            <a:ext cx="7388405" cy="6262008"/>
           </a:xfrm>
           <a:prstGeom prst="rect">
             <a:avLst/>
@@ -3527,18 +3501,13 @@
           <a:lstStyle/>
           <a:p>
             <a:r>
-              <a:rPr lang="en-US" sz="4000" dirty="0" smtClean="0">
+              <a:rPr lang="en-US" sz="4000" dirty="0">
                 <a:latin typeface="Arial Black" charset="0"/>
                 <a:ea typeface="Arial Black" charset="0"/>
                 <a:cs typeface="Arial Black" charset="0"/>
               </a:rPr>
               <a:t>Reference</a:t>
             </a:r>
-            <a:endParaRPr lang="en-US" sz="4000" dirty="0">
-              <a:latin typeface="Arial Black" charset="0"/>
-              <a:ea typeface="Arial Black" charset="0"/>
-              <a:cs typeface="Arial Black" charset="0"/>
-            </a:endParaRPr>
           </a:p>
         </p:txBody>
       </p:sp>
@@ -3557,7 +3526,7 @@
           <a:bodyPr/>
           <a:lstStyle/>
           <a:p>
-            <a:endParaRPr lang="en-US" sz="2000" dirty="0" smtClean="0">
+            <a:endParaRPr lang="en-US" sz="2000" dirty="0">
               <a:latin typeface="Arial Black" charset="0"/>
               <a:ea typeface="Arial Black" charset="0"/>
               <a:cs typeface="Arial Black" charset="0"/>
@@ -3566,7 +3535,7 @@
           </a:p>
           <a:p>
             <a:r>
-              <a:rPr lang="en-US" sz="2000" dirty="0" smtClean="0">
+              <a:rPr lang="en-US" sz="2000" dirty="0">
                 <a:latin typeface="Arial Black" charset="0"/>
                 <a:ea typeface="Arial Black" charset="0"/>
                 <a:cs typeface="Arial Black" charset="0"/>
@@ -3574,14 +3543,14 @@
               </a:rPr>
               <a:t>Data</a:t>
             </a:r>
-            <a:endParaRPr lang="en-US" sz="2000" dirty="0" smtClean="0">
+            <a:endParaRPr lang="en-US" sz="2000" dirty="0">
               <a:latin typeface="Arial Black" charset="0"/>
               <a:ea typeface="Arial Black" charset="0"/>
               <a:cs typeface="Arial Black" charset="0"/>
             </a:endParaRPr>
           </a:p>
           <a:p>
-            <a:endParaRPr lang="en-US" sz="2000" dirty="0" smtClean="0">
+            <a:endParaRPr lang="en-US" sz="2000" dirty="0">
               <a:latin typeface="Arial Black" charset="0"/>
               <a:ea typeface="Arial Black" charset="0"/>
               <a:cs typeface="Arial Black" charset="0"/>
@@ -3589,7 +3558,7 @@
           </a:p>
           <a:p>
             <a:r>
-              <a:rPr lang="en-US" sz="2000" dirty="0" smtClean="0">
+              <a:rPr lang="en-US" sz="2000" dirty="0">
                 <a:latin typeface="Arial Black" charset="0"/>
                 <a:ea typeface="Arial Black" charset="0"/>
                 <a:cs typeface="Arial Black" charset="0"/>
@@ -3597,14 +3566,14 @@
               </a:rPr>
               <a:t>Youtube</a:t>
             </a:r>
-            <a:endParaRPr lang="en-US" sz="2000" dirty="0" smtClean="0">
+            <a:endParaRPr lang="en-US" sz="2000" dirty="0">
               <a:latin typeface="Arial Black" charset="0"/>
               <a:ea typeface="Arial Black" charset="0"/>
               <a:cs typeface="Arial Black" charset="0"/>
             </a:endParaRPr>
           </a:p>
           <a:p>
-            <a:endParaRPr lang="en-US" dirty="0" smtClean="0">
+            <a:endParaRPr lang="en-US" dirty="0">
               <a:latin typeface="Arial Black" charset="0"/>
               <a:ea typeface="Arial Black" charset="0"/>
               <a:cs typeface="Arial Black" charset="0"/>
@@ -3612,7 +3581,7 @@
           </a:p>
           <a:p>
             <a:r>
-              <a:rPr lang="en-US" sz="2000" dirty="0" smtClean="0">
+              <a:rPr lang="en-US" sz="2000" dirty="0">
                 <a:latin typeface="Arial Black" charset="0"/>
                 <a:ea typeface="Arial Black" charset="0"/>
                 <a:cs typeface="Arial Black" charset="0"/>
@@ -3620,7 +3589,7 @@
               </a:rPr>
               <a:t>Code</a:t>
             </a:r>
-            <a:endParaRPr lang="en-US" sz="2000" dirty="0" smtClean="0">
+            <a:endParaRPr lang="en-US" sz="2000" dirty="0">
               <a:latin typeface="Arial Black" charset="0"/>
               <a:ea typeface="Arial Black" charset="0"/>
               <a:cs typeface="Arial Black" charset="0"/>
@@ -3639,13 +3608,6 @@
   <p:clrMapOvr>
     <a:masterClrMapping/>
   </p:clrMapOvr>
-  <p:timing>
-    <p:tnLst>
-      <p:par>
-        <p:cTn id="1" dur="indefinite" restart="never" nodeType="tmRoot"/>
-      </p:par>
-    </p:tnLst>
-  </p:timing>
 </p:sld>
 </file>
 
@@ -3689,7 +3651,7 @@
           <a:lstStyle/>
           <a:p>
             <a:r>
-              <a:rPr lang="en-US" sz="4000" dirty="0" smtClean="0">
+              <a:rPr lang="en-US" sz="4000" dirty="0">
                 <a:latin typeface="Arial Black" charset="0"/>
                 <a:ea typeface="Arial Black" charset="0"/>
                 <a:cs typeface="Arial Black" charset="0"/>
@@ -3697,7 +3659,7 @@
               <a:t>[201</a:t>
             </a:r>
             <a:r>
-              <a:rPr lang="en-US" altLang="ko-KR" sz="4000" dirty="0" smtClean="0">
+              <a:rPr lang="en-US" altLang="ko-KR" sz="4000" dirty="0">
                 <a:latin typeface="Arial Black" charset="0"/>
                 <a:ea typeface="Arial Black" charset="0"/>
                 <a:cs typeface="Arial Black" charset="0"/>
@@ -3705,18 +3667,13 @@
               <a:t>6</a:t>
             </a:r>
             <a:r>
-              <a:rPr lang="en-US" sz="4000" dirty="0" smtClean="0">
+              <a:rPr lang="en-US" sz="4000" dirty="0">
                 <a:latin typeface="Arial Black" charset="0"/>
                 <a:ea typeface="Arial Black" charset="0"/>
                 <a:cs typeface="Arial Black" charset="0"/>
               </a:rPr>
               <a:t>]</a:t>
             </a:r>
-            <a:endParaRPr lang="en-US" sz="4000" dirty="0">
-              <a:latin typeface="Arial Black" charset="0"/>
-              <a:ea typeface="Arial Black" charset="0"/>
-              <a:cs typeface="Arial Black" charset="0"/>
-            </a:endParaRPr>
           </a:p>
         </p:txBody>
       </p:sp>
